--- a/docs/logo.pptx
+++ b/docs/logo.pptx
@@ -104,6 +104,11 @@
       </a:defRPr>
     </a:lvl9pPr>
   </p:defaultTextStyle>
+  <p:extLst>
+    <p:ext uri="{EFAFB233-063F-42B5-8137-9DF3F51BA10A}">
+      <p15:sldGuideLst xmlns:p15="http://schemas.microsoft.com/office/powerpoint/2012/main"/>
+    </p:ext>
+  </p:extLst>
 </p:presentation>
 </file>
 
@@ -256,7 +261,7 @@
           <a:p>
             <a:fld id="{3FA31271-3F7F-462B-90CB-A291EDAB0FFA}" type="datetimeFigureOut">
               <a:rPr lang="fr-CH" smtClean="0"/>
-              <a:t>12.03.2025</a:t>
+              <a:t>05.05.2025</a:t>
             </a:fld>
             <a:endParaRPr lang="fr-CH"/>
           </a:p>
@@ -456,7 +461,7 @@
           <a:p>
             <a:fld id="{3FA31271-3F7F-462B-90CB-A291EDAB0FFA}" type="datetimeFigureOut">
               <a:rPr lang="fr-CH" smtClean="0"/>
-              <a:t>12.03.2025</a:t>
+              <a:t>05.05.2025</a:t>
             </a:fld>
             <a:endParaRPr lang="fr-CH"/>
           </a:p>
@@ -666,7 +671,7 @@
           <a:p>
             <a:fld id="{3FA31271-3F7F-462B-90CB-A291EDAB0FFA}" type="datetimeFigureOut">
               <a:rPr lang="fr-CH" smtClean="0"/>
-              <a:t>12.03.2025</a:t>
+              <a:t>05.05.2025</a:t>
             </a:fld>
             <a:endParaRPr lang="fr-CH"/>
           </a:p>
@@ -866,7 +871,7 @@
           <a:p>
             <a:fld id="{3FA31271-3F7F-462B-90CB-A291EDAB0FFA}" type="datetimeFigureOut">
               <a:rPr lang="fr-CH" smtClean="0"/>
-              <a:t>12.03.2025</a:t>
+              <a:t>05.05.2025</a:t>
             </a:fld>
             <a:endParaRPr lang="fr-CH"/>
           </a:p>
@@ -1142,7 +1147,7 @@
           <a:p>
             <a:fld id="{3FA31271-3F7F-462B-90CB-A291EDAB0FFA}" type="datetimeFigureOut">
               <a:rPr lang="fr-CH" smtClean="0"/>
-              <a:t>12.03.2025</a:t>
+              <a:t>05.05.2025</a:t>
             </a:fld>
             <a:endParaRPr lang="fr-CH"/>
           </a:p>
@@ -1410,7 +1415,7 @@
           <a:p>
             <a:fld id="{3FA31271-3F7F-462B-90CB-A291EDAB0FFA}" type="datetimeFigureOut">
               <a:rPr lang="fr-CH" smtClean="0"/>
-              <a:t>12.03.2025</a:t>
+              <a:t>05.05.2025</a:t>
             </a:fld>
             <a:endParaRPr lang="fr-CH"/>
           </a:p>
@@ -1825,7 +1830,7 @@
           <a:p>
             <a:fld id="{3FA31271-3F7F-462B-90CB-A291EDAB0FFA}" type="datetimeFigureOut">
               <a:rPr lang="fr-CH" smtClean="0"/>
-              <a:t>12.03.2025</a:t>
+              <a:t>05.05.2025</a:t>
             </a:fld>
             <a:endParaRPr lang="fr-CH"/>
           </a:p>
@@ -1967,7 +1972,7 @@
           <a:p>
             <a:fld id="{3FA31271-3F7F-462B-90CB-A291EDAB0FFA}" type="datetimeFigureOut">
               <a:rPr lang="fr-CH" smtClean="0"/>
-              <a:t>12.03.2025</a:t>
+              <a:t>05.05.2025</a:t>
             </a:fld>
             <a:endParaRPr lang="fr-CH"/>
           </a:p>
@@ -2080,7 +2085,7 @@
           <a:p>
             <a:fld id="{3FA31271-3F7F-462B-90CB-A291EDAB0FFA}" type="datetimeFigureOut">
               <a:rPr lang="fr-CH" smtClean="0"/>
-              <a:t>12.03.2025</a:t>
+              <a:t>05.05.2025</a:t>
             </a:fld>
             <a:endParaRPr lang="fr-CH"/>
           </a:p>
@@ -2393,7 +2398,7 @@
           <a:p>
             <a:fld id="{3FA31271-3F7F-462B-90CB-A291EDAB0FFA}" type="datetimeFigureOut">
               <a:rPr lang="fr-CH" smtClean="0"/>
-              <a:t>12.03.2025</a:t>
+              <a:t>05.05.2025</a:t>
             </a:fld>
             <a:endParaRPr lang="fr-CH"/>
           </a:p>
@@ -2682,7 +2687,7 @@
           <a:p>
             <a:fld id="{3FA31271-3F7F-462B-90CB-A291EDAB0FFA}" type="datetimeFigureOut">
               <a:rPr lang="fr-CH" smtClean="0"/>
-              <a:t>12.03.2025</a:t>
+              <a:t>05.05.2025</a:t>
             </a:fld>
             <a:endParaRPr lang="fr-CH"/>
           </a:p>
@@ -2925,7 +2930,7 @@
           <a:p>
             <a:fld id="{3FA31271-3F7F-462B-90CB-A291EDAB0FFA}" type="datetimeFigureOut">
               <a:rPr lang="fr-CH" smtClean="0"/>
-              <a:t>12.03.2025</a:t>
+              <a:t>05.05.2025</a:t>
             </a:fld>
             <a:endParaRPr lang="fr-CH"/>
           </a:p>
@@ -3398,10 +3403,10 @@
       </p:sp>
       <p:grpSp>
         <p:nvGrpSpPr>
-          <p:cNvPr id="16" name="Group 15">
-            <a:extLst>
-              <a:ext uri="{FF2B5EF4-FFF2-40B4-BE49-F238E27FC236}">
-                <a16:creationId xmlns:a16="http://schemas.microsoft.com/office/drawing/2014/main" id="{157A27C0-7463-4748-AB74-E644DBDB6C14}"/>
+          <p:cNvPr id="4" name="Group 3">
+            <a:extLst>
+              <a:ext uri="{FF2B5EF4-FFF2-40B4-BE49-F238E27FC236}">
+                <a16:creationId xmlns:a16="http://schemas.microsoft.com/office/drawing/2014/main" id="{BDF13F09-1082-4240-9424-92EB40110FAC}"/>
               </a:ext>
             </a:extLst>
           </p:cNvPr>
@@ -3412,97 +3417,16 @@
           <a:xfrm>
             <a:off x="3084344" y="515983"/>
             <a:ext cx="8136106" cy="1167272"/>
-            <a:chOff x="3074819" y="515983"/>
+            <a:chOff x="3084344" y="515983"/>
             <a:chExt cx="8136106" cy="1167272"/>
           </a:xfrm>
         </p:grpSpPr>
-        <p:pic>
-          <p:nvPicPr>
-            <p:cNvPr id="8" name="Picture 7">
+        <p:sp>
+          <p:nvSpPr>
+            <p:cNvPr id="3" name="Rectangle: Rounded Corners 2">
               <a:extLst>
                 <a:ext uri="{FF2B5EF4-FFF2-40B4-BE49-F238E27FC236}">
-                  <a16:creationId xmlns:a16="http://schemas.microsoft.com/office/drawing/2014/main" id="{F85FE17E-7ADD-46B0-95D1-E52C2248DB33}"/>
-                </a:ext>
-              </a:extLst>
-            </p:cNvPr>
-            <p:cNvPicPr>
-              <a:picLocks noChangeAspect="1"/>
-            </p:cNvPicPr>
-            <p:nvPr/>
-          </p:nvPicPr>
-          <p:blipFill rotWithShape="1">
-            <a:blip r:embed="rId2"/>
-            <a:srcRect l="5981" t="4327" b="4873"/>
-            <a:stretch/>
-          </p:blipFill>
-          <p:spPr>
-            <a:xfrm>
-              <a:off x="3074819" y="515983"/>
-              <a:ext cx="1148517" cy="1111780"/>
-            </a:xfrm>
-            <a:prstGeom prst="rect">
-              <a:avLst/>
-            </a:prstGeom>
-          </p:spPr>
-        </p:pic>
-        <p:sp>
-          <p:nvSpPr>
-            <p:cNvPr id="11" name="TextBox 10">
-              <a:extLst>
-                <a:ext uri="{FF2B5EF4-FFF2-40B4-BE49-F238E27FC236}">
-                  <a16:creationId xmlns:a16="http://schemas.microsoft.com/office/drawing/2014/main" id="{FCE565A5-744B-4E48-8375-C191728B7887}"/>
-                </a:ext>
-              </a:extLst>
-            </p:cNvPr>
-            <p:cNvSpPr txBox="1"/>
-            <p:nvPr/>
-          </p:nvSpPr>
-          <p:spPr>
-            <a:xfrm>
-              <a:off x="4336142" y="1283145"/>
-              <a:ext cx="6874783" cy="400110"/>
-            </a:xfrm>
-            <a:prstGeom prst="rect">
-              <a:avLst/>
-            </a:prstGeom>
-            <a:noFill/>
-          </p:spPr>
-          <p:txBody>
-            <a:bodyPr wrap="square">
-              <a:spAutoFit/>
-            </a:bodyPr>
-            <a:lstStyle/>
-            <a:p>
-              <a:r>
-                <a:rPr lang="en-US" sz="2000" dirty="0">
-                  <a:solidFill>
-                    <a:schemeClr val="tx1">
-                      <a:lumMod val="50000"/>
-                      <a:lumOff val="50000"/>
-                    </a:schemeClr>
-                  </a:solidFill>
-                  <a:latin typeface="Abadi Extra Light" panose="020B0204020104020204" pitchFamily="34" charset="0"/>
-                </a:rPr>
-                <a:t>The open-source, open-data powered model for e-mobility planning</a:t>
-              </a:r>
-              <a:endParaRPr lang="fr-CH" sz="2000" dirty="0">
-                <a:solidFill>
-                  <a:schemeClr val="tx1">
-                    <a:lumMod val="50000"/>
-                    <a:lumOff val="50000"/>
-                  </a:schemeClr>
-                </a:solidFill>
-                <a:latin typeface="Abadi Extra Light" panose="020B0204020104020204" pitchFamily="34" charset="0"/>
-              </a:endParaRPr>
-            </a:p>
-          </p:txBody>
-        </p:sp>
-        <p:sp>
-          <p:nvSpPr>
-            <p:cNvPr id="5" name="Rectangle: Rounded Corners 4">
-              <a:extLst>
-                <a:ext uri="{FF2B5EF4-FFF2-40B4-BE49-F238E27FC236}">
-                  <a16:creationId xmlns:a16="http://schemas.microsoft.com/office/drawing/2014/main" id="{FBA53A9B-09B6-40FE-B945-1ED2732753EF}"/>
+                  <a16:creationId xmlns:a16="http://schemas.microsoft.com/office/drawing/2014/main" id="{54456165-184A-44D4-9FA3-8D5C6314A7BF}"/>
                 </a:ext>
               </a:extLst>
             </p:cNvPr>
@@ -3511,15 +3435,17 @@
           </p:nvSpPr>
           <p:spPr>
             <a:xfrm>
-              <a:off x="3141494" y="567397"/>
-              <a:ext cx="4396465" cy="734307"/>
+              <a:off x="3084344" y="515983"/>
+              <a:ext cx="8088481" cy="1167272"/>
             </a:xfrm>
             <a:prstGeom prst="roundRect">
               <a:avLst>
-                <a:gd name="adj" fmla="val 8833"/>
+                <a:gd name="adj" fmla="val 9323"/>
               </a:avLst>
             </a:prstGeom>
-            <a:noFill/>
+            <a:solidFill>
+              <a:schemeClr val="bg1"/>
+            </a:solidFill>
             <a:ln>
               <a:noFill/>
             </a:ln>
@@ -3545,100 +3471,254 @@
             <a:lstStyle/>
             <a:p>
               <a:pPr algn="ctr"/>
-              <a:r>
-                <a:rPr lang="fr-CH" sz="5400" b="1" dirty="0">
-                  <a:solidFill>
-                    <a:schemeClr val="tx1"/>
-                  </a:solidFill>
-                  <a:latin typeface="Fredoka" pitchFamily="2" charset="-79"/>
-                  <a:cs typeface="Fredoka" pitchFamily="2" charset="-79"/>
-                </a:rPr>
-                <a:t>EV</a:t>
-              </a:r>
-              <a:r>
-                <a:rPr lang="fr-CH" sz="5400" dirty="0">
-                  <a:solidFill>
-                    <a:schemeClr val="tx1"/>
-                  </a:solidFill>
-                  <a:latin typeface="Fredoka" pitchFamily="2" charset="-79"/>
-                  <a:cs typeface="Fredoka" pitchFamily="2" charset="-79"/>
-                </a:rPr>
-                <a:t>PV</a:t>
-              </a:r>
-              <a:endParaRPr lang="fr-CH" sz="6000" dirty="0">
-                <a:solidFill>
-                  <a:schemeClr val="tx1"/>
-                </a:solidFill>
-                <a:latin typeface="Fredoka" pitchFamily="2" charset="-79"/>
-                <a:cs typeface="Fredoka" pitchFamily="2" charset="-79"/>
-              </a:endParaRPr>
+              <a:endParaRPr lang="fr-CH"/>
             </a:p>
           </p:txBody>
         </p:sp>
-        <p:sp>
-          <p:nvSpPr>
-            <p:cNvPr id="9" name="Rectangle: Rounded Corners 8">
+        <p:grpSp>
+          <p:nvGrpSpPr>
+            <p:cNvPr id="16" name="Group 15">
               <a:extLst>
                 <a:ext uri="{FF2B5EF4-FFF2-40B4-BE49-F238E27FC236}">
-                  <a16:creationId xmlns:a16="http://schemas.microsoft.com/office/drawing/2014/main" id="{E0D4AD6F-3A6E-4079-AC29-9FCAD6FF298F}"/>
+                  <a16:creationId xmlns:a16="http://schemas.microsoft.com/office/drawing/2014/main" id="{157A27C0-7463-4748-AB74-E644DBDB6C14}"/>
                 </a:ext>
               </a:extLst>
             </p:cNvPr>
-            <p:cNvSpPr/>
+            <p:cNvGrpSpPr/>
             <p:nvPr/>
-          </p:nvSpPr>
-          <p:spPr>
+          </p:nvGrpSpPr>
+          <p:grpSpPr>
             <a:xfrm>
-              <a:off x="4799301" y="647209"/>
-              <a:ext cx="4396465" cy="590118"/>
+              <a:off x="3084344" y="515983"/>
+              <a:ext cx="8136106" cy="1167272"/>
+              <a:chOff x="3074819" y="515983"/>
+              <a:chExt cx="8136106" cy="1167272"/>
             </a:xfrm>
-            <a:prstGeom prst="roundRect">
-              <a:avLst>
-                <a:gd name="adj" fmla="val 8833"/>
-              </a:avLst>
-            </a:prstGeom>
-            <a:noFill/>
-            <a:ln>
+          </p:grpSpPr>
+          <p:pic>
+            <p:nvPicPr>
+              <p:cNvPr id="8" name="Picture 7">
+                <a:extLst>
+                  <a:ext uri="{FF2B5EF4-FFF2-40B4-BE49-F238E27FC236}">
+                    <a16:creationId xmlns:a16="http://schemas.microsoft.com/office/drawing/2014/main" id="{F85FE17E-7ADD-46B0-95D1-E52C2248DB33}"/>
+                  </a:ext>
+                </a:extLst>
+              </p:cNvPr>
+              <p:cNvPicPr>
+                <a:picLocks noChangeAspect="1"/>
+              </p:cNvPicPr>
+              <p:nvPr/>
+            </p:nvPicPr>
+            <p:blipFill rotWithShape="1">
+              <a:blip r:embed="rId2"/>
+              <a:srcRect l="5981" t="4327" b="4873"/>
+              <a:stretch/>
+            </p:blipFill>
+            <p:spPr>
+              <a:xfrm>
+                <a:off x="3074819" y="515983"/>
+                <a:ext cx="1148517" cy="1111780"/>
+              </a:xfrm>
+              <a:prstGeom prst="rect">
+                <a:avLst/>
+              </a:prstGeom>
+            </p:spPr>
+          </p:pic>
+          <p:sp>
+            <p:nvSpPr>
+              <p:cNvPr id="11" name="TextBox 10">
+                <a:extLst>
+                  <a:ext uri="{FF2B5EF4-FFF2-40B4-BE49-F238E27FC236}">
+                    <a16:creationId xmlns:a16="http://schemas.microsoft.com/office/drawing/2014/main" id="{FCE565A5-744B-4E48-8375-C191728B7887}"/>
+                  </a:ext>
+                </a:extLst>
+              </p:cNvPr>
+              <p:cNvSpPr txBox="1"/>
+              <p:nvPr/>
+            </p:nvSpPr>
+            <p:spPr>
+              <a:xfrm>
+                <a:off x="4336142" y="1283145"/>
+                <a:ext cx="6874783" cy="400110"/>
+              </a:xfrm>
+              <a:prstGeom prst="rect">
+                <a:avLst/>
+              </a:prstGeom>
               <a:noFill/>
-            </a:ln>
-          </p:spPr>
-          <p:style>
-            <a:lnRef idx="2">
-              <a:schemeClr val="accent1">
-                <a:shade val="50000"/>
-              </a:schemeClr>
-            </a:lnRef>
-            <a:fillRef idx="1">
-              <a:schemeClr val="accent1"/>
-            </a:fillRef>
-            <a:effectRef idx="0">
-              <a:schemeClr val="accent1"/>
-            </a:effectRef>
-            <a:fontRef idx="minor">
-              <a:schemeClr val="lt1"/>
-            </a:fontRef>
-          </p:style>
-          <p:txBody>
-            <a:bodyPr rtlCol="0" anchor="ctr"/>
-            <a:lstStyle/>
-            <a:p>
-              <a:pPr algn="ctr"/>
-              <a:r>
-                <a:rPr lang="fr-CH" sz="2800" dirty="0">
+            </p:spPr>
+            <p:txBody>
+              <a:bodyPr wrap="square">
+                <a:spAutoFit/>
+              </a:bodyPr>
+              <a:lstStyle/>
+              <a:p>
+                <a:r>
+                  <a:rPr lang="en-US" sz="2000" dirty="0">
+                    <a:solidFill>
+                      <a:schemeClr val="tx1">
+                        <a:lumMod val="50000"/>
+                        <a:lumOff val="50000"/>
+                      </a:schemeClr>
+                    </a:solidFill>
+                    <a:latin typeface="Abadi Extra Light" panose="020B0204020104020204" pitchFamily="34" charset="0"/>
+                  </a:rPr>
+                  <a:t>The open-source, open-data powered model for e-mobility planning</a:t>
+                </a:r>
+                <a:endParaRPr lang="fr-CH" sz="2000" dirty="0">
                   <a:solidFill>
                     <a:schemeClr val="tx1">
                       <a:lumMod val="50000"/>
                       <a:lumOff val="50000"/>
                     </a:schemeClr>
                   </a:solidFill>
+                  <a:latin typeface="Abadi Extra Light" panose="020B0204020104020204" pitchFamily="34" charset="0"/>
+                </a:endParaRPr>
+              </a:p>
+            </p:txBody>
+          </p:sp>
+          <p:sp>
+            <p:nvSpPr>
+              <p:cNvPr id="5" name="Rectangle: Rounded Corners 4">
+                <a:extLst>
+                  <a:ext uri="{FF2B5EF4-FFF2-40B4-BE49-F238E27FC236}">
+                    <a16:creationId xmlns:a16="http://schemas.microsoft.com/office/drawing/2014/main" id="{FBA53A9B-09B6-40FE-B945-1ED2732753EF}"/>
+                  </a:ext>
+                </a:extLst>
+              </p:cNvPr>
+              <p:cNvSpPr/>
+              <p:nvPr/>
+            </p:nvSpPr>
+            <p:spPr>
+              <a:xfrm>
+                <a:off x="3141494" y="567397"/>
+                <a:ext cx="4396465" cy="734307"/>
+              </a:xfrm>
+              <a:prstGeom prst="roundRect">
+                <a:avLst>
+                  <a:gd name="adj" fmla="val 8833"/>
+                </a:avLst>
+              </a:prstGeom>
+              <a:noFill/>
+              <a:ln>
+                <a:noFill/>
+              </a:ln>
+            </p:spPr>
+            <p:style>
+              <a:lnRef idx="2">
+                <a:schemeClr val="accent1">
+                  <a:shade val="50000"/>
+                </a:schemeClr>
+              </a:lnRef>
+              <a:fillRef idx="1">
+                <a:schemeClr val="accent1"/>
+              </a:fillRef>
+              <a:effectRef idx="0">
+                <a:schemeClr val="accent1"/>
+              </a:effectRef>
+              <a:fontRef idx="minor">
+                <a:schemeClr val="lt1"/>
+              </a:fontRef>
+            </p:style>
+            <p:txBody>
+              <a:bodyPr rtlCol="0" anchor="ctr"/>
+              <a:lstStyle/>
+              <a:p>
+                <a:pPr algn="ctr"/>
+                <a:r>
+                  <a:rPr lang="fr-CH" sz="5400" b="1" dirty="0">
+                    <a:solidFill>
+                      <a:schemeClr val="tx1"/>
+                    </a:solidFill>
+                    <a:latin typeface="Fredoka" pitchFamily="2" charset="-79"/>
+                    <a:cs typeface="Fredoka" pitchFamily="2" charset="-79"/>
+                  </a:rPr>
+                  <a:t>EV</a:t>
+                </a:r>
+                <a:r>
+                  <a:rPr lang="fr-CH" sz="5400" dirty="0">
+                    <a:solidFill>
+                      <a:schemeClr val="tx1"/>
+                    </a:solidFill>
+                    <a:latin typeface="Fredoka" pitchFamily="2" charset="-79"/>
+                    <a:cs typeface="Fredoka" pitchFamily="2" charset="-79"/>
+                  </a:rPr>
+                  <a:t>PV</a:t>
+                </a:r>
+                <a:endParaRPr lang="fr-CH" sz="6000" dirty="0">
+                  <a:solidFill>
+                    <a:schemeClr val="tx1"/>
+                  </a:solidFill>
                   <a:latin typeface="Fredoka" pitchFamily="2" charset="-79"/>
                   <a:cs typeface="Fredoka" pitchFamily="2" charset="-79"/>
-                </a:rPr>
-                <a:t>simulator</a:t>
-              </a:r>
-            </a:p>
-          </p:txBody>
-        </p:sp>
+                </a:endParaRPr>
+              </a:p>
+            </p:txBody>
+          </p:sp>
+          <p:sp>
+            <p:nvSpPr>
+              <p:cNvPr id="9" name="Rectangle: Rounded Corners 8">
+                <a:extLst>
+                  <a:ext uri="{FF2B5EF4-FFF2-40B4-BE49-F238E27FC236}">
+                    <a16:creationId xmlns:a16="http://schemas.microsoft.com/office/drawing/2014/main" id="{E0D4AD6F-3A6E-4079-AC29-9FCAD6FF298F}"/>
+                  </a:ext>
+                </a:extLst>
+              </p:cNvPr>
+              <p:cNvSpPr/>
+              <p:nvPr/>
+            </p:nvSpPr>
+            <p:spPr>
+              <a:xfrm>
+                <a:off x="4799301" y="647209"/>
+                <a:ext cx="4396465" cy="590118"/>
+              </a:xfrm>
+              <a:prstGeom prst="roundRect">
+                <a:avLst>
+                  <a:gd name="adj" fmla="val 8833"/>
+                </a:avLst>
+              </a:prstGeom>
+              <a:noFill/>
+              <a:ln>
+                <a:noFill/>
+              </a:ln>
+            </p:spPr>
+            <p:style>
+              <a:lnRef idx="2">
+                <a:schemeClr val="accent1">
+                  <a:shade val="50000"/>
+                </a:schemeClr>
+              </a:lnRef>
+              <a:fillRef idx="1">
+                <a:schemeClr val="accent1"/>
+              </a:fillRef>
+              <a:effectRef idx="0">
+                <a:schemeClr val="accent1"/>
+              </a:effectRef>
+              <a:fontRef idx="minor">
+                <a:schemeClr val="lt1"/>
+              </a:fontRef>
+            </p:style>
+            <p:txBody>
+              <a:bodyPr rtlCol="0" anchor="ctr"/>
+              <a:lstStyle/>
+              <a:p>
+                <a:pPr algn="ctr"/>
+                <a:r>
+                  <a:rPr lang="fr-CH" sz="2800" dirty="0">
+                    <a:solidFill>
+                      <a:schemeClr val="tx1">
+                        <a:lumMod val="50000"/>
+                        <a:lumOff val="50000"/>
+                      </a:schemeClr>
+                    </a:solidFill>
+                    <a:latin typeface="Fredoka" pitchFamily="2" charset="-79"/>
+                    <a:cs typeface="Fredoka" pitchFamily="2" charset="-79"/>
+                  </a:rPr>
+                  <a:t>simulator</a:t>
+                </a:r>
+              </a:p>
+            </p:txBody>
+          </p:sp>
+        </p:grpSp>
       </p:grpSp>
     </p:spTree>
     <p:extLst>
